--- a/Documentation/News_Feed-Presentation.pptx
+++ b/Documentation/News_Feed-Presentation.pptx
@@ -6132,7 +6132,7 @@
             </a:pPr>
             <a:fld id="{00000000-1234-1234-1234-123412341234}" type="slidenum">
               <a:rPr lang="en"/>
-              <a:t>‹#›</a:t>
+              <a:t>‹N›</a:t>
             </a:fld>
             <a:endParaRPr/>
           </a:p>
@@ -6565,7 +6565,7 @@
             </a:pPr>
             <a:fld id="{00000000-1234-1234-1234-123412341234}" type="slidenum">
               <a:rPr lang="en"/>
-              <a:t>‹#›</a:t>
+              <a:t>‹N›</a:t>
             </a:fld>
             <a:endParaRPr/>
           </a:p>
@@ -7116,7 +7116,7 @@
             </a:pPr>
             <a:fld id="{00000000-1234-1234-1234-123412341234}" type="slidenum">
               <a:rPr lang="en"/>
-              <a:t>‹#›</a:t>
+              <a:t>‹N›</a:t>
             </a:fld>
             <a:endParaRPr/>
           </a:p>
@@ -7888,7 +7888,7 @@
             </a:pPr>
             <a:fld id="{00000000-1234-1234-1234-123412341234}" type="slidenum">
               <a:rPr lang="en"/>
-              <a:t>‹#›</a:t>
+              <a:t>‹N›</a:t>
             </a:fld>
             <a:endParaRPr/>
           </a:p>
@@ -8279,7 +8279,7 @@
             </a:pPr>
             <a:fld id="{00000000-1234-1234-1234-123412341234}" type="slidenum">
               <a:rPr lang="en"/>
-              <a:t>‹#›</a:t>
+              <a:t>‹N›</a:t>
             </a:fld>
             <a:endParaRPr/>
           </a:p>
@@ -8543,7 +8543,7 @@
             </a:pPr>
             <a:fld id="{00000000-1234-1234-1234-123412341234}" type="slidenum">
               <a:rPr lang="en"/>
-              <a:t>‹#›</a:t>
+              <a:t>‹N›</a:t>
             </a:fld>
             <a:endParaRPr/>
           </a:p>
@@ -8851,7 +8851,7 @@
             </a:pPr>
             <a:fld id="{00000000-1234-1234-1234-123412341234}" type="slidenum">
               <a:rPr lang="en"/>
-              <a:t>‹#›</a:t>
+              <a:t>‹N›</a:t>
             </a:fld>
             <a:endParaRPr/>
           </a:p>
@@ -9517,7 +9517,7 @@
             </a:pPr>
             <a:fld id="{00000000-1234-1234-1234-123412341234}" type="slidenum">
               <a:rPr lang="en"/>
-              <a:t>‹#›</a:t>
+              <a:t>‹N›</a:t>
             </a:fld>
             <a:endParaRPr/>
           </a:p>
@@ -10902,7 +10902,7 @@
                 <a:cs typeface="Lato"/>
                 <a:sym typeface="Lato"/>
               </a:rPr>
-              <a:t>37 FP</a:t>
+              <a:t>68 FP</a:t>
             </a:r>
             <a:endParaRPr sz="7200" b="1" dirty="0">
               <a:solidFill>
@@ -11002,7 +11002,7 @@
                 <a:cs typeface="Lato"/>
                 <a:sym typeface="Lato"/>
               </a:rPr>
-              <a:t>1.5 person/month</a:t>
+              <a:t>7.4 person/month</a:t>
             </a:r>
             <a:endParaRPr sz="7200" b="1" dirty="0">
               <a:solidFill>
@@ -11060,7 +11060,7 @@
                 <a:cs typeface="Lato"/>
                 <a:sym typeface="Lato"/>
               </a:rPr>
-              <a:t>1110 SLOC</a:t>
+              <a:t>5440 SLOC</a:t>
             </a:r>
             <a:endParaRPr sz="4800" b="1" dirty="0">
               <a:solidFill>
